--- a/0909.pptx
+++ b/0909.pptx
@@ -10,7 +10,6 @@
     <p:sldId id="258" r:id="rId4"/>
     <p:sldId id="259" r:id="rId5"/>
     <p:sldId id="260" r:id="rId6"/>
-    <p:sldId id="261" r:id="rId7"/>
   </p:sldIdLst>
   <p:sldSz cx="12192000" cy="6858000"/>
   <p:notesSz cx="6858000" cy="9144000"/>
@@ -110,35 +109,6 @@
     </a:lvl9pPr>
   </p:defaultTextStyle>
 </p:presentation>
-</file>
-
-<file path=ppt/ink/ink1.xml><?xml version="1.0" encoding="utf-8"?>
-<inkml:ink xmlns:inkml="http://www.w3.org/2003/InkML">
-  <inkml:definitions>
-    <inkml:context xml:id="ctx0">
-      <inkml:inkSource xml:id="inkSrc0">
-        <inkml:traceFormat>
-          <inkml:channel name="X" type="integer" max="3840" units="cm"/>
-          <inkml:channel name="Y" type="integer" max="1080" units="cm"/>
-          <inkml:channel name="T" type="integer" max="2.14748E9" units="dev"/>
-        </inkml:traceFormat>
-        <inkml:channelProperties>
-          <inkml:channelProperty channel="X" name="resolution" value="31.73554" units="1/cm"/>
-          <inkml:channelProperty channel="Y" name="resolution" value="15.88235" units="1/cm"/>
-          <inkml:channelProperty channel="T" name="resolution" value="1" units="1/dev"/>
-        </inkml:channelProperties>
-      </inkml:inkSource>
-      <inkml:timestamp xml:id="ts0" timeString="2025-09-09T00:14:57.067"/>
-    </inkml:context>
-    <inkml:brush xml:id="br0">
-      <inkml:brushProperty name="width" value="0.05292" units="cm"/>
-      <inkml:brushProperty name="height" value="0.05292" units="cm"/>
-      <inkml:brushProperty name="color" value="#FF0000"/>
-    </inkml:brush>
-  </inkml:definitions>
-  <inkml:trace contextRef="#ctx0" brushRef="#br0">17727 13176 0,'-18'0'0,"1"0"32,-18 0-32,-107 0 15,-105 124 1,-105-1-16,-142 89 31,106-53-31,141-54 31,123-16-15,36-54 0,35-17-1,18 17 1,-71 0-1,0 18 1,-35 18 0,71-54-1,-1 19 1,0-19 0,-34 36 15,34 0-16,-17 0 1,70-53 0</inkml:trace>
-  <inkml:trace contextRef="#ctx0" brushRef="#br0" timeOffset="833.67">15346 13406 0,'-35'52'47,"-1"37"-32,-17-1-15,-35 53 31,18 18-15,34-71 0,1 0 15,35-53-15,0 18-16,0-17 31,-18-19-31,1 1 15,17 0 1,-18 17 0,0-18-1,18 36 1,0-35 0,-17 0-1,17-1 1,53-17 109,88 0-110,53 0-15,282 0 32,0 0-17,-140-35 1,-89 17 0,-230 18-1</inkml:trace>
-</inkml:ink>
 </file>
 
 <file path=ppt/slideLayouts/slideLayout1.xml><?xml version="1.0" encoding="utf-8"?>
@@ -4338,57 +4308,6 @@
           </p:txBody>
         </p:sp>
       </p:grpSp>
-      <mc:AlternateContent xmlns:mc="http://schemas.openxmlformats.org/markup-compatibility/2006">
-        <mc:Choice xmlns:p14="http://schemas.microsoft.com/office/powerpoint/2010/main" Requires="p14">
-          <p:contentPart p14:bwMode="auto" r:id="rId2">
-            <p14:nvContentPartPr>
-              <p14:cNvPr id="27" name="잉크 26">
-                <a:extLst>
-                  <a:ext uri="{FF2B5EF4-FFF2-40B4-BE49-F238E27FC236}">
-                    <a16:creationId xmlns:a16="http://schemas.microsoft.com/office/drawing/2014/main" id="{E63CD702-6737-4BED-B247-CBEB93D7BDFD}"/>
-                  </a:ext>
-                </a:extLst>
-              </p14:cNvPr>
-              <p14:cNvContentPartPr/>
-              <p14:nvPr/>
-            </p14:nvContentPartPr>
-            <p14:xfrm>
-              <a:off x="5270400" y="4743360"/>
-              <a:ext cx="1111680" cy="464040"/>
-            </p14:xfrm>
-          </p:contentPart>
-        </mc:Choice>
-        <mc:Fallback>
-          <p:pic>
-            <p:nvPicPr>
-              <p:cNvPr id="27" name="잉크 26">
-                <a:extLst>
-                  <a:ext uri="{FF2B5EF4-FFF2-40B4-BE49-F238E27FC236}">
-                    <a16:creationId xmlns:a16="http://schemas.microsoft.com/office/drawing/2014/main" id="{E63CD702-6737-4BED-B247-CBEB93D7BDFD}"/>
-                  </a:ext>
-                </a:extLst>
-              </p:cNvPr>
-              <p:cNvPicPr/>
-              <p:nvPr/>
-            </p:nvPicPr>
-            <p:blipFill>
-              <a:blip r:embed="rId3"/>
-              <a:stretch>
-                <a:fillRect/>
-              </a:stretch>
-            </p:blipFill>
-            <p:spPr>
-              <a:xfrm>
-                <a:off x="5261040" y="4734000"/>
-                <a:ext cx="1130400" cy="482760"/>
-              </a:xfrm>
-              <a:prstGeom prst="rect">
-                <a:avLst/>
-              </a:prstGeom>
-            </p:spPr>
-          </p:pic>
-        </mc:Fallback>
-      </mc:AlternateContent>
     </p:spTree>
     <p:extLst>
       <p:ext uri="{BB962C8B-B14F-4D97-AF65-F5344CB8AC3E}">
@@ -5116,14 +5035,41 @@
         <p:spPr>
           <a:xfrm>
             <a:off x="838200" y="1825625"/>
-            <a:ext cx="10515600" cy="612775"/>
+            <a:ext cx="10515600" cy="1907563"/>
           </a:xfrm>
         </p:spPr>
         <p:txBody>
           <a:bodyPr/>
           <a:lstStyle/>
           <a:p>
-            <a:endParaRPr lang="ko-KR" altLang="en-US" dirty="0"/>
+            <a:r>
+              <a:rPr lang="en-US" altLang="ko-KR" dirty="0"/>
+              <a:t> </a:t>
+            </a:r>
+            <a:r>
+              <a:rPr lang="ko-KR" altLang="en-US" dirty="0"/>
+              <a:t>현재 위치는 다음 위치의 이전 위치가 됨</a:t>
+            </a:r>
+            <a:endParaRPr lang="en-US" altLang="ko-KR" dirty="0"/>
+          </a:p>
+          <a:p>
+            <a:pPr lvl="1"/>
+            <a:r>
+              <a:rPr lang="en-US" altLang="ko-KR" dirty="0"/>
+              <a:t> </a:t>
+            </a:r>
+            <a:r>
+              <a:rPr lang="ko-KR" altLang="en-US" dirty="0"/>
+              <a:t>현재 </a:t>
+            </a:r>
+            <a:r>
+              <a:rPr lang="en-US" altLang="ko-KR" dirty="0"/>
+              <a:t>x, y </a:t>
+            </a:r>
+            <a:r>
+              <a:rPr lang="ko-KR" altLang="en-US" dirty="0"/>
+              <a:t>좌표 값은 다음 위치에서 시작 좌표로 설정</a:t>
+            </a:r>
           </a:p>
         </p:txBody>
       </p:sp>
@@ -5156,7 +5102,7 @@
         </p:blipFill>
         <p:spPr bwMode="auto">
           <a:xfrm>
-            <a:off x="4466029" y="5322357"/>
+            <a:off x="4466029" y="5497268"/>
             <a:ext cx="612775" cy="612775"/>
           </a:xfrm>
           <a:prstGeom prst="rect">
@@ -5188,7 +5134,7 @@
         </p:nvSpPr>
         <p:spPr>
           <a:xfrm>
-            <a:off x="4372897" y="5113867"/>
+            <a:off x="4372897" y="5288778"/>
             <a:ext cx="313266" cy="313266"/>
           </a:xfrm>
           <a:prstGeom prst="ellipse">
@@ -5234,7 +5180,7 @@
         </p:nvSpPr>
         <p:spPr>
           <a:xfrm>
-            <a:off x="4933165" y="5400700"/>
+            <a:off x="4933165" y="5575611"/>
             <a:ext cx="6086923" cy="646331"/>
           </a:xfrm>
           <a:prstGeom prst="rect">
@@ -5356,7 +5302,7 @@
         </p:blipFill>
         <p:spPr bwMode="auto">
           <a:xfrm>
-            <a:off x="5171936" y="4544482"/>
+            <a:off x="5171936" y="4719393"/>
             <a:ext cx="612775" cy="612775"/>
           </a:xfrm>
           <a:prstGeom prst="rect">
@@ -5388,7 +5334,7 @@
         </p:nvSpPr>
         <p:spPr>
           <a:xfrm>
-            <a:off x="5078804" y="4335992"/>
+            <a:off x="5078804" y="4510903"/>
             <a:ext cx="313266" cy="313266"/>
           </a:xfrm>
           <a:prstGeom prst="ellipse">
@@ -5437,7 +5383,7 @@
         </p:nvCxnSpPr>
         <p:spPr>
           <a:xfrm flipV="1">
-            <a:off x="4640286" y="4603381"/>
+            <a:off x="4640286" y="4778292"/>
             <a:ext cx="484395" cy="556363"/>
           </a:xfrm>
           <a:prstGeom prst="straightConnector1">
@@ -5476,7 +5422,7 @@
         </p:nvSpPr>
         <p:spPr>
           <a:xfrm>
-            <a:off x="4221965" y="4610841"/>
+            <a:off x="4221965" y="4785752"/>
             <a:ext cx="646331" cy="369332"/>
           </a:xfrm>
           <a:prstGeom prst="rect">
@@ -5512,7 +5458,7 @@
         </p:nvSpPr>
         <p:spPr>
           <a:xfrm>
-            <a:off x="5613999" y="4696896"/>
+            <a:off x="5613999" y="4871807"/>
             <a:ext cx="4977003" cy="646331"/>
           </a:xfrm>
           <a:prstGeom prst="rect">
@@ -5649,7 +5595,7 @@
         </p:blipFill>
         <p:spPr bwMode="auto">
           <a:xfrm>
-            <a:off x="5818267" y="3739277"/>
+            <a:off x="5818267" y="3914188"/>
             <a:ext cx="612775" cy="612775"/>
           </a:xfrm>
           <a:prstGeom prst="rect">
@@ -5681,7 +5627,7 @@
         </p:nvSpPr>
         <p:spPr>
           <a:xfrm>
-            <a:off x="5725135" y="3530787"/>
+            <a:off x="5725135" y="3705698"/>
             <a:ext cx="313266" cy="313266"/>
           </a:xfrm>
           <a:prstGeom prst="ellipse">
@@ -5727,7 +5673,7 @@
         </p:nvSpPr>
         <p:spPr>
           <a:xfrm>
-            <a:off x="4868296" y="3805636"/>
+            <a:off x="4868296" y="3980547"/>
             <a:ext cx="646331" cy="369332"/>
           </a:xfrm>
           <a:prstGeom prst="rect">
@@ -5767,7 +5713,7 @@
         </p:nvCxnSpPr>
         <p:spPr>
           <a:xfrm flipV="1">
-            <a:off x="5346193" y="3798176"/>
+            <a:off x="5346193" y="3973087"/>
             <a:ext cx="424819" cy="583693"/>
           </a:xfrm>
           <a:prstGeom prst="straightConnector1">
@@ -5808,7 +5754,7 @@
         </p:nvCxnSpPr>
         <p:spPr>
           <a:xfrm>
-            <a:off x="757630" y="2912533"/>
+            <a:off x="757630" y="3087444"/>
             <a:ext cx="3661144" cy="2247211"/>
           </a:xfrm>
           <a:prstGeom prst="line">
@@ -5847,7 +5793,7 @@
         </p:nvCxnSpPr>
         <p:spPr>
           <a:xfrm>
-            <a:off x="757630" y="2912533"/>
+            <a:off x="757630" y="3087444"/>
             <a:ext cx="4367051" cy="1469336"/>
           </a:xfrm>
           <a:prstGeom prst="line">
@@ -5886,7 +5832,7 @@
         </p:nvCxnSpPr>
         <p:spPr>
           <a:xfrm>
-            <a:off x="757630" y="2903732"/>
+            <a:off x="757630" y="3078643"/>
             <a:ext cx="5013382" cy="672932"/>
           </a:xfrm>
           <a:prstGeom prst="line">
@@ -5922,7 +5868,7 @@
         </p:nvSpPr>
         <p:spPr>
           <a:xfrm>
-            <a:off x="6330181" y="3860998"/>
+            <a:off x="6330181" y="4035909"/>
             <a:ext cx="5182957" cy="646331"/>
           </a:xfrm>
           <a:prstGeom prst="rect">
@@ -6046,86 +5992,6 @@
     <p:extLst>
       <p:ext uri="{BB962C8B-B14F-4D97-AF65-F5344CB8AC3E}">
         <p14:creationId xmlns:p14="http://schemas.microsoft.com/office/powerpoint/2010/main" val="3587434984"/>
-      </p:ext>
-    </p:extLst>
-  </p:cSld>
-  <p:clrMapOvr>
-    <a:masterClrMapping/>
-  </p:clrMapOvr>
-</p:sld>
-</file>
-
-<file path=ppt/slides/slide6.xml><?xml version="1.0" encoding="utf-8"?>
-<p:sld xmlns:a="http://schemas.openxmlformats.org/drawingml/2006/main" xmlns:r="http://schemas.openxmlformats.org/officeDocument/2006/relationships" xmlns:p="http://schemas.openxmlformats.org/presentationml/2006/main">
-  <p:cSld>
-    <p:spTree>
-      <p:nvGrpSpPr>
-        <p:cNvPr id="1" name=""/>
-        <p:cNvGrpSpPr/>
-        <p:nvPr/>
-      </p:nvGrpSpPr>
-      <p:grpSpPr>
-        <a:xfrm>
-          <a:off x="0" y="0"/>
-          <a:ext cx="0" cy="0"/>
-          <a:chOff x="0" y="0"/>
-          <a:chExt cx="0" cy="0"/>
-        </a:xfrm>
-      </p:grpSpPr>
-      <p:sp>
-        <p:nvSpPr>
-          <p:cNvPr id="2" name="제목 1">
-            <a:extLst>
-              <a:ext uri="{FF2B5EF4-FFF2-40B4-BE49-F238E27FC236}">
-                <a16:creationId xmlns:a16="http://schemas.microsoft.com/office/drawing/2014/main" id="{E27B540A-EB72-464E-AB84-E484464CF7D3}"/>
-              </a:ext>
-            </a:extLst>
-          </p:cNvPr>
-          <p:cNvSpPr>
-            <a:spLocks noGrp="1"/>
-          </p:cNvSpPr>
-          <p:nvPr>
-            <p:ph type="title"/>
-          </p:nvPr>
-        </p:nvSpPr>
-        <p:spPr/>
-        <p:txBody>
-          <a:bodyPr/>
-          <a:lstStyle/>
-          <a:p>
-            <a:endParaRPr lang="ko-KR" altLang="en-US"/>
-          </a:p>
-        </p:txBody>
-      </p:sp>
-      <p:sp>
-        <p:nvSpPr>
-          <p:cNvPr id="3" name="내용 개체 틀 2">
-            <a:extLst>
-              <a:ext uri="{FF2B5EF4-FFF2-40B4-BE49-F238E27FC236}">
-                <a16:creationId xmlns:a16="http://schemas.microsoft.com/office/drawing/2014/main" id="{87BB846B-C743-4420-BF90-105C7F826F33}"/>
-              </a:ext>
-            </a:extLst>
-          </p:cNvPr>
-          <p:cNvSpPr>
-            <a:spLocks noGrp="1"/>
-          </p:cNvSpPr>
-          <p:nvPr>
-            <p:ph idx="1"/>
-          </p:nvPr>
-        </p:nvSpPr>
-        <p:spPr/>
-        <p:txBody>
-          <a:bodyPr/>
-          <a:lstStyle/>
-          <a:p>
-            <a:endParaRPr lang="ko-KR" altLang="en-US"/>
-          </a:p>
-        </p:txBody>
-      </p:sp>
-    </p:spTree>
-    <p:extLst>
-      <p:ext uri="{BB962C8B-B14F-4D97-AF65-F5344CB8AC3E}">
-        <p14:creationId xmlns:p14="http://schemas.microsoft.com/office/powerpoint/2010/main" val="2293193178"/>
       </p:ext>
     </p:extLst>
   </p:cSld>
